--- a/Smart car parking sysytem.pptx
+++ b/Smart car parking sysytem.pptx
@@ -13745,19 +13745,17 @@
       </p:grpSpPr>
       <p:pic>
         <p:nvPicPr>
-          <p:cNvPr id="9" name="Content Placeholder 8">
+          <p:cNvPr id="21" name="Picture 20">
             <a:extLst>
               <a:ext uri="{FF2B5EF4-FFF2-40B4-BE49-F238E27FC236}">
-                <a16:creationId xmlns:a16="http://schemas.microsoft.com/office/drawing/2014/main" id="{9A1F469A-C414-4C5F-98BE-F5EC591C8FA1}"/>
+                <a16:creationId xmlns:a16="http://schemas.microsoft.com/office/drawing/2014/main" id="{3FD702C9-5982-4AC0-9366-411FFCDB668F}"/>
               </a:ext>
             </a:extLst>
           </p:cNvPr>
           <p:cNvPicPr>
-            <a:picLocks noGrp="1" noChangeAspect="1"/>
+            <a:picLocks noChangeAspect="1"/>
           </p:cNvPicPr>
-          <p:nvPr>
-            <p:ph idx="4294967295"/>
-          </p:nvPr>
+          <p:nvPr/>
         </p:nvPicPr>
         <p:blipFill>
           <a:blip r:embed="rId2">
@@ -13773,8 +13771,8 @@
         </p:blipFill>
         <p:spPr>
           <a:xfrm>
-            <a:off x="402671" y="1416842"/>
-            <a:ext cx="4024313" cy="4024313"/>
+            <a:off x="539131" y="1399981"/>
+            <a:ext cx="4058038" cy="4058038"/>
           </a:xfrm>
           <a:prstGeom prst="roundRect">
             <a:avLst>
@@ -13810,10 +13808,10 @@
       </p:pic>
       <p:pic>
         <p:nvPicPr>
-          <p:cNvPr id="16" name="Picture 15">
+          <p:cNvPr id="23" name="Picture 22">
             <a:extLst>
               <a:ext uri="{FF2B5EF4-FFF2-40B4-BE49-F238E27FC236}">
-                <a16:creationId xmlns:a16="http://schemas.microsoft.com/office/drawing/2014/main" id="{E76AA709-20CD-46CC-9049-F1D76BFFD2E7}"/>
+                <a16:creationId xmlns:a16="http://schemas.microsoft.com/office/drawing/2014/main" id="{80DC8ADF-BD72-4D9B-A9AB-BDC00BA0D1A5}"/>
               </a:ext>
             </a:extLst>
           </p:cNvPr>
@@ -13836,8 +13834,8 @@
         </p:blipFill>
         <p:spPr>
           <a:xfrm>
-            <a:off x="4991450" y="1686204"/>
-            <a:ext cx="6963275" cy="3485590"/>
+            <a:off x="4940208" y="1730199"/>
+            <a:ext cx="7039832" cy="3397602"/>
           </a:xfrm>
           <a:prstGeom prst="roundRect">
             <a:avLst>
@@ -13871,6 +13869,76 @@
           </a:sp3d>
         </p:spPr>
       </p:pic>
+      <p:sp>
+        <p:nvSpPr>
+          <p:cNvPr id="24" name="TextBox 23">
+            <a:extLst>
+              <a:ext uri="{FF2B5EF4-FFF2-40B4-BE49-F238E27FC236}">
+                <a16:creationId xmlns:a16="http://schemas.microsoft.com/office/drawing/2014/main" id="{3A1FDE34-FF64-4090-AB19-1D5EF7E28BD5}"/>
+              </a:ext>
+            </a:extLst>
+          </p:cNvPr>
+          <p:cNvSpPr txBox="1"/>
+          <p:nvPr/>
+        </p:nvSpPr>
+        <p:spPr>
+          <a:xfrm>
+            <a:off x="1820411" y="5709905"/>
+            <a:ext cx="1694576" cy="369332"/>
+          </a:xfrm>
+          <a:prstGeom prst="rect">
+            <a:avLst/>
+          </a:prstGeom>
+          <a:noFill/>
+        </p:spPr>
+        <p:txBody>
+          <a:bodyPr wrap="square" rtlCol="0">
+            <a:spAutoFit/>
+          </a:bodyPr>
+          <a:lstStyle/>
+          <a:p>
+            <a:r>
+              <a:rPr lang="en-US" dirty="0"/>
+              <a:t>Admin page</a:t>
+            </a:r>
+          </a:p>
+        </p:txBody>
+      </p:sp>
+      <p:sp>
+        <p:nvSpPr>
+          <p:cNvPr id="25" name="TextBox 24">
+            <a:extLst>
+              <a:ext uri="{FF2B5EF4-FFF2-40B4-BE49-F238E27FC236}">
+                <a16:creationId xmlns:a16="http://schemas.microsoft.com/office/drawing/2014/main" id="{845B0C6F-CE3A-4312-92B5-4C4843081CF3}"/>
+              </a:ext>
+            </a:extLst>
+          </p:cNvPr>
+          <p:cNvSpPr txBox="1"/>
+          <p:nvPr/>
+        </p:nvSpPr>
+        <p:spPr>
+          <a:xfrm>
+            <a:off x="7738670" y="5340573"/>
+            <a:ext cx="1442907" cy="369332"/>
+          </a:xfrm>
+          <a:prstGeom prst="rect">
+            <a:avLst/>
+          </a:prstGeom>
+          <a:noFill/>
+        </p:spPr>
+        <p:txBody>
+          <a:bodyPr wrap="square" rtlCol="0">
+            <a:spAutoFit/>
+          </a:bodyPr>
+          <a:lstStyle/>
+          <a:p>
+            <a:r>
+              <a:rPr lang="en-US" dirty="0"/>
+              <a:t>Public page</a:t>
+            </a:r>
+          </a:p>
+        </p:txBody>
+      </p:sp>
     </p:spTree>
     <p:extLst>
       <p:ext uri="{BB962C8B-B14F-4D97-AF65-F5344CB8AC3E}">
@@ -13893,89 +13961,6 @@
       </p:transition>
     </mc:Fallback>
   </mc:AlternateContent>
-  <p:timing>
-    <p:tnLst>
-      <p:par>
-        <p:cTn id="1" dur="indefinite" restart="never" nodeType="tmRoot">
-          <p:childTnLst>
-            <p:seq concurrent="1" nextAc="seek">
-              <p:cTn id="2" dur="indefinite" nodeType="mainSeq">
-                <p:childTnLst>
-                  <p:par>
-                    <p:cTn id="3" fill="hold">
-                      <p:stCondLst>
-                        <p:cond delay="indefinite"/>
-                      </p:stCondLst>
-                      <p:childTnLst>
-                        <p:par>
-                          <p:cTn id="4" fill="hold">
-                            <p:stCondLst>
-                              <p:cond delay="0"/>
-                            </p:stCondLst>
-                            <p:childTnLst>
-                              <p:par>
-                                <p:cTn id="5" presetID="10" presetClass="entr" presetSubtype="0" fill="hold" nodeType="clickEffect">
-                                  <p:stCondLst>
-                                    <p:cond delay="0"/>
-                                  </p:stCondLst>
-                                  <p:childTnLst>
-                                    <p:set>
-                                      <p:cBhvr>
-                                        <p:cTn id="6" dur="1" fill="hold">
-                                          <p:stCondLst>
-                                            <p:cond delay="0"/>
-                                          </p:stCondLst>
-                                        </p:cTn>
-                                        <p:tgtEl>
-                                          <p:spTgt spid="9"/>
-                                        </p:tgtEl>
-                                        <p:attrNameLst>
-                                          <p:attrName>style.visibility</p:attrName>
-                                        </p:attrNameLst>
-                                      </p:cBhvr>
-                                      <p:to>
-                                        <p:strVal val="visible"/>
-                                      </p:to>
-                                    </p:set>
-                                    <p:animEffect transition="in" filter="fade">
-                                      <p:cBhvr>
-                                        <p:cTn id="7" dur="500"/>
-                                        <p:tgtEl>
-                                          <p:spTgt spid="9"/>
-                                        </p:tgtEl>
-                                      </p:cBhvr>
-                                    </p:animEffect>
-                                  </p:childTnLst>
-                                </p:cTn>
-                              </p:par>
-                            </p:childTnLst>
-                          </p:cTn>
-                        </p:par>
-                      </p:childTnLst>
-                    </p:cTn>
-                  </p:par>
-                </p:childTnLst>
-              </p:cTn>
-              <p:prevCondLst>
-                <p:cond evt="onPrev" delay="0">
-                  <p:tgtEl>
-                    <p:sldTgt/>
-                  </p:tgtEl>
-                </p:cond>
-              </p:prevCondLst>
-              <p:nextCondLst>
-                <p:cond evt="onNext" delay="0">
-                  <p:tgtEl>
-                    <p:sldTgt/>
-                  </p:tgtEl>
-                </p:cond>
-              </p:nextCondLst>
-            </p:seq>
-          </p:childTnLst>
-        </p:cTn>
-      </p:par>
-    </p:tnLst>
-  </p:timing>
 </p:sld>
 </file>
 
@@ -14849,13 +14834,13 @@
             <a:spLocks noGrp="1"/>
           </p:cNvSpPr>
           <p:nvPr>
-            <p:ph type="title"/>
+            <p:ph type="title" idx="4294967295"/>
           </p:nvPr>
         </p:nvSpPr>
         <p:spPr>
           <a:xfrm>
-            <a:off x="1496561" y="2586394"/>
-            <a:ext cx="9198878" cy="1685212"/>
+            <a:off x="796131" y="1484196"/>
+            <a:ext cx="10599737" cy="2236787"/>
           </a:xfrm>
         </p:spPr>
         <p:txBody>
@@ -14866,8 +14851,105 @@
           <a:p>
             <a:pPr algn="ctr"/>
             <a:r>
-              <a:rPr lang="en-US" sz="8800" dirty="0"/>
+              <a:rPr lang="en-US" sz="13800" dirty="0"/>
               <a:t>Thank you</a:t>
+            </a:r>
+          </a:p>
+        </p:txBody>
+      </p:sp>
+      <p:pic>
+        <p:nvPicPr>
+          <p:cNvPr id="5" name="Picture 4">
+            <a:extLst>
+              <a:ext uri="{FF2B5EF4-FFF2-40B4-BE49-F238E27FC236}">
+                <a16:creationId xmlns:a16="http://schemas.microsoft.com/office/drawing/2014/main" id="{C574DB50-2558-4D8E-B9DD-556FD8AD57AC}"/>
+              </a:ext>
+            </a:extLst>
+          </p:cNvPr>
+          <p:cNvPicPr>
+            <a:picLocks noChangeAspect="1"/>
+          </p:cNvPicPr>
+          <p:nvPr/>
+        </p:nvPicPr>
+        <p:blipFill>
+          <a:blip r:embed="rId2">
+            <a:extLst>
+              <a:ext uri="{28A0092B-C50C-407E-A947-70E740481C1C}">
+                <a14:useLocalDpi xmlns:a14="http://schemas.microsoft.com/office/drawing/2010/main" val="0"/>
+              </a:ext>
+            </a:extLst>
+          </a:blip>
+          <a:stretch>
+            <a:fillRect/>
+          </a:stretch>
+        </p:blipFill>
+        <p:spPr>
+          <a:xfrm>
+            <a:off x="4410786" y="3720983"/>
+            <a:ext cx="1685213" cy="1685213"/>
+          </a:xfrm>
+          <a:prstGeom prst="roundRect">
+            <a:avLst>
+              <a:gd name="adj" fmla="val 4167"/>
+            </a:avLst>
+          </a:prstGeom>
+          <a:solidFill>
+            <a:srgbClr val="FFFFFF"/>
+          </a:solidFill>
+          <a:ln w="76200" cap="sq">
+            <a:solidFill>
+              <a:srgbClr val="EAEAEA"/>
+            </a:solidFill>
+            <a:miter lim="800000"/>
+          </a:ln>
+          <a:effectLst>
+            <a:reflection blurRad="12700" stA="33000" endPos="28000" dist="5000" dir="5400000" sy="-100000" algn="bl" rotWithShape="0"/>
+          </a:effectLst>
+          <a:scene3d>
+            <a:camera prst="orthographicFront"/>
+            <a:lightRig rig="threePt" dir="t">
+              <a:rot lat="0" lon="0" rev="2700000"/>
+            </a:lightRig>
+          </a:scene3d>
+          <a:sp3d contourW="6350">
+            <a:bevelT h="38100"/>
+            <a:contourClr>
+              <a:srgbClr val="C0C0C0"/>
+            </a:contourClr>
+          </a:sp3d>
+        </p:spPr>
+      </p:pic>
+      <p:sp>
+        <p:nvSpPr>
+          <p:cNvPr id="6" name="TextBox 5">
+            <a:extLst>
+              <a:ext uri="{FF2B5EF4-FFF2-40B4-BE49-F238E27FC236}">
+                <a16:creationId xmlns:a16="http://schemas.microsoft.com/office/drawing/2014/main" id="{6982ACC2-BAAB-4EDE-8C51-A04555EDA3A5}"/>
+              </a:ext>
+            </a:extLst>
+          </p:cNvPr>
+          <p:cNvSpPr txBox="1"/>
+          <p:nvPr/>
+        </p:nvSpPr>
+        <p:spPr>
+          <a:xfrm>
+            <a:off x="6457295" y="4378923"/>
+            <a:ext cx="1686187" cy="369332"/>
+          </a:xfrm>
+          <a:prstGeom prst="rect">
+            <a:avLst/>
+          </a:prstGeom>
+          <a:noFill/>
+        </p:spPr>
+        <p:txBody>
+          <a:bodyPr wrap="square" rtlCol="0">
+            <a:spAutoFit/>
+          </a:bodyPr>
+          <a:lstStyle/>
+          <a:p>
+            <a:r>
+              <a:rPr lang="en-US" dirty="0"/>
+              <a:t>Github link</a:t>
             </a:r>
           </a:p>
         </p:txBody>
